--- a/docs/diagrams/ChangeThemeCommandSequence.pptx
+++ b/docs/diagrams/ChangeThemeCommandSequence.pptx
@@ -208,7 +208,7 @@
           <a:p>
             <a:fld id="{F5CC4B3F-88C1-4FFA-B1B6-F41C21DC6924}" type="datetimeFigureOut">
               <a:rPr lang="en-US" smtClean="0"/>
-              <a:t>4/10/18</a:t>
+              <a:t>4/14/18</a:t>
             </a:fld>
             <a:endParaRPr lang="en-US"/>
           </a:p>
@@ -738,7 +738,7 @@
           <a:p>
             <a:fld id="{78C97017-6FC3-485B-9764-EAC9E56C1D49}" type="datetimeFigureOut">
               <a:rPr lang="en-US" smtClean="0"/>
-              <a:t>4/10/18</a:t>
+              <a:t>4/14/18</a:t>
             </a:fld>
             <a:endParaRPr lang="en-US"/>
           </a:p>
@@ -906,7 +906,7 @@
           <a:p>
             <a:fld id="{78C97017-6FC3-485B-9764-EAC9E56C1D49}" type="datetimeFigureOut">
               <a:rPr lang="en-US" smtClean="0"/>
-              <a:t>4/10/18</a:t>
+              <a:t>4/14/18</a:t>
             </a:fld>
             <a:endParaRPr lang="en-US"/>
           </a:p>
@@ -1084,7 +1084,7 @@
           <a:p>
             <a:fld id="{78C97017-6FC3-485B-9764-EAC9E56C1D49}" type="datetimeFigureOut">
               <a:rPr lang="en-US" smtClean="0"/>
-              <a:t>4/10/18</a:t>
+              <a:t>4/14/18</a:t>
             </a:fld>
             <a:endParaRPr lang="en-US"/>
           </a:p>
@@ -1252,7 +1252,7 @@
           <a:p>
             <a:fld id="{78C97017-6FC3-485B-9764-EAC9E56C1D49}" type="datetimeFigureOut">
               <a:rPr lang="en-US" smtClean="0"/>
-              <a:t>4/10/18</a:t>
+              <a:t>4/14/18</a:t>
             </a:fld>
             <a:endParaRPr lang="en-US"/>
           </a:p>
@@ -1497,7 +1497,7 @@
           <a:p>
             <a:fld id="{78C97017-6FC3-485B-9764-EAC9E56C1D49}" type="datetimeFigureOut">
               <a:rPr lang="en-US" smtClean="0"/>
-              <a:t>4/10/18</a:t>
+              <a:t>4/14/18</a:t>
             </a:fld>
             <a:endParaRPr lang="en-US"/>
           </a:p>
@@ -1782,7 +1782,7 @@
           <a:p>
             <a:fld id="{78C97017-6FC3-485B-9764-EAC9E56C1D49}" type="datetimeFigureOut">
               <a:rPr lang="en-US" smtClean="0"/>
-              <a:t>4/10/18</a:t>
+              <a:t>4/14/18</a:t>
             </a:fld>
             <a:endParaRPr lang="en-US"/>
           </a:p>
@@ -2201,7 +2201,7 @@
           <a:p>
             <a:fld id="{78C97017-6FC3-485B-9764-EAC9E56C1D49}" type="datetimeFigureOut">
               <a:rPr lang="en-US" smtClean="0"/>
-              <a:t>4/10/18</a:t>
+              <a:t>4/14/18</a:t>
             </a:fld>
             <a:endParaRPr lang="en-US"/>
           </a:p>
@@ -2318,7 +2318,7 @@
           <a:p>
             <a:fld id="{78C97017-6FC3-485B-9764-EAC9E56C1D49}" type="datetimeFigureOut">
               <a:rPr lang="en-US" smtClean="0"/>
-              <a:t>4/10/18</a:t>
+              <a:t>4/14/18</a:t>
             </a:fld>
             <a:endParaRPr lang="en-US"/>
           </a:p>
@@ -2413,7 +2413,7 @@
           <a:p>
             <a:fld id="{78C97017-6FC3-485B-9764-EAC9E56C1D49}" type="datetimeFigureOut">
               <a:rPr lang="en-US" smtClean="0"/>
-              <a:t>4/10/18</a:t>
+              <a:t>4/14/18</a:t>
             </a:fld>
             <a:endParaRPr lang="en-US"/>
           </a:p>
@@ -2688,7 +2688,7 @@
           <a:p>
             <a:fld id="{78C97017-6FC3-485B-9764-EAC9E56C1D49}" type="datetimeFigureOut">
               <a:rPr lang="en-US" smtClean="0"/>
-              <a:t>4/10/18</a:t>
+              <a:t>4/14/18</a:t>
             </a:fld>
             <a:endParaRPr lang="en-US"/>
           </a:p>
@@ -2940,7 +2940,7 @@
           <a:p>
             <a:fld id="{78C97017-6FC3-485B-9764-EAC9E56C1D49}" type="datetimeFigureOut">
               <a:rPr lang="en-US" smtClean="0"/>
-              <a:t>4/10/18</a:t>
+              <a:t>4/14/18</a:t>
             </a:fld>
             <a:endParaRPr lang="en-US"/>
           </a:p>
@@ -3151,7 +3151,7 @@
           <a:p>
             <a:fld id="{78C97017-6FC3-485B-9764-EAC9E56C1D49}" type="datetimeFigureOut">
               <a:rPr lang="en-US" smtClean="0"/>
-              <a:t>4/10/18</a:t>
+              <a:t>4/14/18</a:t>
             </a:fld>
             <a:endParaRPr lang="en-US"/>
           </a:p>
@@ -3610,7 +3610,7 @@
         </p:nvSpPr>
         <p:spPr>
           <a:xfrm>
-            <a:off x="326842" y="76199"/>
+            <a:off x="339590" y="102216"/>
             <a:ext cx="4977693" cy="5105399"/>
           </a:xfrm>
           <a:prstGeom prst="roundRect">
@@ -3879,20 +3879,12 @@
           <a:p>
             <a:pPr algn="r"/>
             <a:r>
-              <a:rPr lang="en-US" sz="1400" dirty="0">
-                <a:solidFill>
-                  <a:srgbClr val="0070C0"/>
-                </a:solidFill>
-              </a:rPr>
-              <a:t>p</a:t>
-            </a:r>
-            <a:r>
               <a:rPr lang="en-US" sz="1400" dirty="0" smtClean="0">
                 <a:solidFill>
                   <a:srgbClr val="0070C0"/>
                 </a:solidFill>
               </a:rPr>
-              <a:t>arse(arguments)</a:t>
+              <a:t>parse(“cte”)</a:t>
             </a:r>
             <a:endParaRPr lang="en-US" sz="1400" dirty="0">
               <a:solidFill>
@@ -3909,9 +3901,9 @@
           <p:nvPr/>
         </p:nvCxnSpPr>
         <p:spPr>
-          <a:xfrm>
-            <a:off x="337525" y="4191000"/>
-            <a:ext cx="1239525" cy="0"/>
+          <a:xfrm flipV="1">
+            <a:off x="1648297" y="3895046"/>
+            <a:ext cx="1399703" cy="13073"/>
           </a:xfrm>
           <a:prstGeom prst="straightConnector1">
             <a:avLst/>
@@ -3948,8 +3940,8 @@
         </p:nvSpPr>
         <p:spPr>
           <a:xfrm>
-            <a:off x="337525" y="3945901"/>
-            <a:ext cx="1153158" cy="215444"/>
+            <a:off x="1723352" y="3433535"/>
+            <a:ext cx="1153158" cy="430887"/>
           </a:xfrm>
           <a:prstGeom prst="rect">
             <a:avLst/>
@@ -3975,7 +3967,13 @@
           <a:p>
             <a:r>
               <a:rPr lang="en-US" dirty="0" smtClean="0"/>
-              <a:t>SetCommand</a:t>
+              <a:t>ChangeTheme</a:t>
+            </a:r>
+          </a:p>
+          <a:p>
+            <a:r>
+              <a:rPr lang="en-US" dirty="0" smtClean="0"/>
+              <a:t>Command()</a:t>
             </a:r>
             <a:endParaRPr lang="en-US" dirty="0"/>
           </a:p>
@@ -3989,10 +3987,10 @@
         </p:nvGrpSpPr>
         <p:grpSpPr>
           <a:xfrm>
-            <a:off x="1633540" y="1214549"/>
-            <a:ext cx="2174615" cy="2731352"/>
-            <a:chOff x="2611718" y="423022"/>
-            <a:chExt cx="2174615" cy="2731352"/>
+            <a:off x="1633540" y="1577946"/>
+            <a:ext cx="2202125" cy="2363996"/>
+            <a:chOff x="2611718" y="786419"/>
+            <a:chExt cx="2202125" cy="2363996"/>
           </a:xfrm>
         </p:grpSpPr>
         <p:sp>
@@ -4003,8 +4001,8 @@
           </p:nvSpPr>
           <p:spPr>
             <a:xfrm>
-              <a:off x="3340378" y="423022"/>
-              <a:ext cx="1445955" cy="467684"/>
+              <a:off x="3305287" y="786419"/>
+              <a:ext cx="1508556" cy="467684"/>
             </a:xfrm>
             <a:prstGeom prst="rect">
               <a:avLst/>
@@ -4044,7 +4042,7 @@
                     <a:schemeClr val="bg1"/>
                   </a:solidFill>
                 </a:rPr>
-                <a:t>:ChangeTheme</a:t>
+                <a:t>c:ChangeTheme</a:t>
               </a:r>
               <a:endParaRPr lang="en-SG" sz="1600" dirty="0">
                 <a:solidFill>
@@ -4121,46 +4119,6 @@
             </a:p>
           </p:txBody>
         </p:sp>
-        <p:cxnSp>
-          <p:nvCxnSpPr>
-            <p:cNvPr id="35" name="Straight Arrow Connector 34"/>
-            <p:cNvCxnSpPr>
-              <a:cxnSpLocks/>
-            </p:cNvCxnSpPr>
-            <p:nvPr/>
-          </p:nvCxnSpPr>
-          <p:spPr>
-            <a:xfrm>
-              <a:off x="2631006" y="3143781"/>
-              <a:ext cx="1433356" cy="10593"/>
-            </a:xfrm>
-            <a:prstGeom prst="straightConnector1">
-              <a:avLst/>
-            </a:prstGeom>
-            <a:ln w="19050">
-              <a:solidFill>
-                <a:srgbClr val="0070C0"/>
-              </a:solidFill>
-              <a:prstDash val="sysDash"/>
-              <a:headEnd type="arrow" w="med" len="med"/>
-              <a:tailEnd type="none" w="med" len="med"/>
-            </a:ln>
-          </p:spPr>
-          <p:style>
-            <a:lnRef idx="1">
-              <a:schemeClr val="accent1"/>
-            </a:lnRef>
-            <a:fillRef idx="0">
-              <a:schemeClr val="accent1"/>
-            </a:fillRef>
-            <a:effectRef idx="0">
-              <a:schemeClr val="accent1"/>
-            </a:effectRef>
-            <a:fontRef idx="minor">
-              <a:schemeClr val="tx1"/>
-            </a:fontRef>
-          </p:style>
-        </p:cxnSp>
         <p:sp>
           <p:nvSpPr>
             <p:cNvPr id="80" name="TextBox 79"/>
@@ -4169,7 +4127,7 @@
           </p:nvSpPr>
           <p:spPr>
             <a:xfrm>
-              <a:off x="2860123" y="1037273"/>
+              <a:off x="2860123" y="1310810"/>
               <a:ext cx="675561" cy="215444"/>
             </a:xfrm>
             <a:prstGeom prst="rect">
@@ -4211,7 +4169,7 @@
             <p:cNvPr id="67" name="Straight Arrow Connector 66">
               <a:extLst>
                 <a:ext uri="{FF2B5EF4-FFF2-40B4-BE49-F238E27FC236}">
-                  <a16:creationId xmlns:a16="http://schemas.microsoft.com/office/drawing/2014/main" xmlns="" id="{D881596E-177C-4FDC-8E60-CAB90B3D5FAB}"/>
+                  <a16:creationId xmlns="" xmlns:a16="http://schemas.microsoft.com/office/drawing/2014/main" id="{D881596E-177C-4FDC-8E60-CAB90B3D5FAB}"/>
                 </a:ext>
               </a:extLst>
             </p:cNvPr>
@@ -4222,7 +4180,7 @@
           </p:nvCxnSpPr>
           <p:spPr>
             <a:xfrm>
-              <a:off x="2611718" y="1285828"/>
+              <a:off x="2611718" y="1559365"/>
               <a:ext cx="1354671" cy="11308"/>
             </a:xfrm>
             <a:prstGeom prst="straightConnector1">
@@ -4250,47 +4208,6 @@
             </a:fontRef>
           </p:style>
         </p:cxnSp>
-        <p:sp>
-          <p:nvSpPr>
-            <p:cNvPr id="63" name="TextBox 62"/>
-            <p:cNvSpPr txBox="1"/>
-            <p:nvPr/>
-          </p:nvSpPr>
-          <p:spPr>
-            <a:xfrm>
-              <a:off x="2658049" y="2884795"/>
-              <a:ext cx="1273822" cy="192024"/>
-            </a:xfrm>
-            <a:prstGeom prst="rect">
-              <a:avLst/>
-            </a:prstGeom>
-            <a:noFill/>
-          </p:spPr>
-          <p:txBody>
-            <a:bodyPr wrap="square" lIns="0" tIns="0" rIns="0" bIns="0" rtlCol="0">
-              <a:spAutoFit/>
-            </a:bodyPr>
-            <a:lstStyle>
-              <a:defPPr>
-                <a:defRPr lang="en-US"/>
-              </a:defPPr>
-              <a:lvl1pPr algn="r">
-                <a:defRPr sz="1400">
-                  <a:solidFill>
-                    <a:srgbClr val="0070C0"/>
-                  </a:solidFill>
-                </a:defRPr>
-              </a:lvl1pPr>
-            </a:lstStyle>
-            <a:p>
-              <a:r>
-                <a:rPr lang="en-US" sz="1200" dirty="0" smtClean="0"/>
-                <a:t>CommandResult()</a:t>
-              </a:r>
-              <a:endParaRPr lang="en-US" sz="1200" dirty="0"/>
-            </a:p>
-          </p:txBody>
-        </p:sp>
       </p:grpSp>
       <p:grpSp>
         <p:nvGrpSpPr>
@@ -4300,10 +4217,10 @@
         </p:nvGrpSpPr>
         <p:grpSpPr>
           <a:xfrm>
-            <a:off x="3278011" y="97348"/>
-            <a:ext cx="5256389" cy="5084251"/>
-            <a:chOff x="4569580" y="76345"/>
-            <a:chExt cx="5256389" cy="5084251"/>
+            <a:off x="4495800" y="97348"/>
+            <a:ext cx="4038600" cy="5084251"/>
+            <a:chOff x="5787369" y="76345"/>
+            <a:chExt cx="4038600" cy="5084251"/>
           </a:xfrm>
         </p:grpSpPr>
         <p:sp>
@@ -4678,11 +4595,7 @@
             <a:p>
               <a:r>
                 <a:rPr lang="en-US" sz="1200" dirty="0" smtClean="0"/>
-                <a:t>Event</a:t>
-              </a:r>
-              <a:r>
-                <a:rPr lang="en-US" sz="1200" dirty="0" smtClean="0"/>
-                <a:t>()</a:t>
+                <a:t>Event()</a:t>
               </a:r>
               <a:endParaRPr lang="en-US" sz="1200" dirty="0"/>
             </a:p>
@@ -4734,7 +4647,7 @@
           </p:nvSpPr>
           <p:spPr>
             <a:xfrm>
-              <a:off x="4849587" y="1730180"/>
+              <a:off x="5787369" y="2112597"/>
               <a:ext cx="1422654" cy="184666"/>
             </a:xfrm>
             <a:prstGeom prst="rect">
@@ -4776,9 +4689,9 @@
             <p:nvPr/>
           </p:nvCxnSpPr>
           <p:spPr>
-            <a:xfrm flipV="1">
-              <a:off x="4569580" y="1971068"/>
-              <a:ext cx="2684683" cy="34720"/>
+            <a:xfrm>
+              <a:off x="5883319" y="2339291"/>
+              <a:ext cx="1399404" cy="0"/>
             </a:xfrm>
             <a:prstGeom prst="straightConnector1">
               <a:avLst/>
@@ -4814,7 +4727,7 @@
         </p:nvGrpSpPr>
         <p:grpSpPr>
           <a:xfrm>
-            <a:off x="3148997" y="2451669"/>
+            <a:off x="3013350" y="1263878"/>
             <a:ext cx="2011032" cy="1811093"/>
             <a:chOff x="3151410" y="1242145"/>
             <a:chExt cx="2011032" cy="1811093"/>
@@ -5007,8 +4920,8 @@
           </p:nvSpPr>
           <p:spPr>
             <a:xfrm>
-              <a:off x="4530098" y="1948471"/>
-              <a:ext cx="156687" cy="807536"/>
+              <a:off x="4530099" y="1948470"/>
+              <a:ext cx="137346" cy="1104767"/>
             </a:xfrm>
             <a:prstGeom prst="rect">
               <a:avLst/>
@@ -5283,11 +5196,7 @@
             <a:p>
               <a:r>
                 <a:rPr lang="en-US" sz="1200" dirty="0" smtClean="0"/>
-                <a:t>BookTheme</a:t>
-              </a:r>
-              <a:r>
-                <a:rPr lang="en-US" sz="1200" dirty="0" smtClean="0"/>
-                <a:t>()</a:t>
+                <a:t>BookTheme()</a:t>
               </a:r>
               <a:endParaRPr lang="en-US" sz="1200" dirty="0"/>
             </a:p>
@@ -5343,7 +5252,7 @@
         </p:nvCxnSpPr>
         <p:spPr>
           <a:xfrm flipH="1">
-            <a:off x="3052273" y="1712877"/>
+            <a:off x="3064786" y="1904862"/>
             <a:ext cx="21320" cy="2591076"/>
           </a:xfrm>
           <a:prstGeom prst="line">
@@ -5449,11 +5358,7 @@
           <a:p>
             <a:r>
               <a:rPr lang="en-US" sz="1200" dirty="0" smtClean="0"/>
-              <a:t>BookTheme</a:t>
-            </a:r>
-            <a:r>
-              <a:rPr lang="en-US" sz="1200" dirty="0" smtClean="0"/>
-              <a:t>()</a:t>
+              <a:t>BookTheme()</a:t>
             </a:r>
             <a:endParaRPr lang="en-US" sz="1200" dirty="0"/>
           </a:p>
@@ -5916,6 +5821,166 @@
               <a:t>addressBookTheme</a:t>
             </a:r>
             <a:endParaRPr lang="en-US" sz="1200" dirty="0"/>
+          </a:p>
+        </p:txBody>
+      </p:sp>
+      <p:cxnSp>
+        <p:nvCxnSpPr>
+          <p:cNvPr id="60" name="Straight Arrow Connector 59"/>
+          <p:cNvCxnSpPr>
+            <a:cxnSpLocks/>
+          </p:cNvCxnSpPr>
+          <p:nvPr/>
+        </p:nvCxnSpPr>
+        <p:spPr>
+          <a:xfrm>
+            <a:off x="3092071" y="3046379"/>
+            <a:ext cx="1433356" cy="10593"/>
+          </a:xfrm>
+          <a:prstGeom prst="straightConnector1">
+            <a:avLst/>
+          </a:prstGeom>
+          <a:ln w="19050">
+            <a:solidFill>
+              <a:srgbClr val="0070C0"/>
+            </a:solidFill>
+            <a:prstDash val="sysDash"/>
+            <a:headEnd type="arrow" w="med" len="med"/>
+            <a:tailEnd type="none" w="med" len="med"/>
+          </a:ln>
+        </p:spPr>
+        <p:style>
+          <a:lnRef idx="1">
+            <a:schemeClr val="accent1"/>
+          </a:lnRef>
+          <a:fillRef idx="0">
+            <a:schemeClr val="accent1"/>
+          </a:fillRef>
+          <a:effectRef idx="0">
+            <a:schemeClr val="accent1"/>
+          </a:effectRef>
+          <a:fontRef idx="minor">
+            <a:schemeClr val="tx1"/>
+          </a:fontRef>
+        </p:style>
+      </p:cxnSp>
+      <p:sp>
+        <p:nvSpPr>
+          <p:cNvPr id="61" name="TextBox 60"/>
+          <p:cNvSpPr txBox="1"/>
+          <p:nvPr/>
+        </p:nvSpPr>
+        <p:spPr>
+          <a:xfrm>
+            <a:off x="3119114" y="2787393"/>
+            <a:ext cx="1273822" cy="192024"/>
+          </a:xfrm>
+          <a:prstGeom prst="rect">
+            <a:avLst/>
+          </a:prstGeom>
+          <a:noFill/>
+        </p:spPr>
+        <p:txBody>
+          <a:bodyPr wrap="square" lIns="0" tIns="0" rIns="0" bIns="0" rtlCol="0">
+            <a:spAutoFit/>
+          </a:bodyPr>
+          <a:lstStyle>
+            <a:defPPr>
+              <a:defRPr lang="en-US"/>
+            </a:defPPr>
+            <a:lvl1pPr algn="r">
+              <a:defRPr sz="1400">
+                <a:solidFill>
+                  <a:srgbClr val="0070C0"/>
+                </a:solidFill>
+              </a:defRPr>
+            </a:lvl1pPr>
+          </a:lstStyle>
+          <a:p>
+            <a:r>
+              <a:rPr lang="en-US" sz="1200" dirty="0" smtClean="0"/>
+              <a:t>CommandResult()</a:t>
+            </a:r>
+            <a:endParaRPr lang="en-US" sz="1200" dirty="0"/>
+          </a:p>
+        </p:txBody>
+      </p:sp>
+      <p:cxnSp>
+        <p:nvCxnSpPr>
+          <p:cNvPr id="62" name="Straight Arrow Connector 61"/>
+          <p:cNvCxnSpPr/>
+          <p:nvPr/>
+        </p:nvCxnSpPr>
+        <p:spPr>
+          <a:xfrm>
+            <a:off x="317764" y="4195310"/>
+            <a:ext cx="1239525" cy="0"/>
+          </a:xfrm>
+          <a:prstGeom prst="straightConnector1">
+            <a:avLst/>
+          </a:prstGeom>
+          <a:ln w="19050">
+            <a:solidFill>
+              <a:schemeClr val="accent1"/>
+            </a:solidFill>
+            <a:prstDash val="sysDash"/>
+            <a:headEnd type="arrow" w="med" len="med"/>
+            <a:tailEnd type="none" w="med" len="med"/>
+          </a:ln>
+        </p:spPr>
+        <p:style>
+          <a:lnRef idx="1">
+            <a:schemeClr val="accent1"/>
+          </a:lnRef>
+          <a:fillRef idx="0">
+            <a:schemeClr val="accent1"/>
+          </a:fillRef>
+          <a:effectRef idx="0">
+            <a:schemeClr val="accent1"/>
+          </a:effectRef>
+          <a:fontRef idx="minor">
+            <a:schemeClr val="tx1"/>
+          </a:fontRef>
+        </p:style>
+      </p:cxnSp>
+      <p:sp>
+        <p:nvSpPr>
+          <p:cNvPr id="64" name="TextBox 63"/>
+          <p:cNvSpPr txBox="1"/>
+          <p:nvPr/>
+        </p:nvSpPr>
+        <p:spPr>
+          <a:xfrm>
+            <a:off x="76773" y="3952916"/>
+            <a:ext cx="1339999" cy="215444"/>
+          </a:xfrm>
+          <a:prstGeom prst="rect">
+            <a:avLst/>
+          </a:prstGeom>
+          <a:noFill/>
+        </p:spPr>
+        <p:txBody>
+          <a:bodyPr wrap="square" lIns="0" tIns="0" rIns="0" bIns="0" rtlCol="0">
+            <a:spAutoFit/>
+          </a:bodyPr>
+          <a:lstStyle>
+            <a:defPPr>
+              <a:defRPr lang="en-US"/>
+            </a:defPPr>
+            <a:lvl1pPr algn="r">
+              <a:defRPr sz="1400">
+                <a:solidFill>
+                  <a:srgbClr val="0070C0"/>
+                </a:solidFill>
+              </a:defRPr>
+            </a:lvl1pPr>
+          </a:lstStyle>
+          <a:p>
+            <a:r>
+              <a:rPr lang="en-US"/>
+              <a:t>c</a:t>
+            </a:r>
+            <a:endParaRPr lang="en-US" dirty="0" smtClean="0"/>
           </a:p>
         </p:txBody>
       </p:sp>
